--- a/Presentation1.pptx
+++ b/Presentation1.pptx
@@ -243,7 +243,7 @@
           <a:p>
             <a:fld id="{3486B64F-88E9-48C2-8007-EC8711A0D238}" type="datetimeFigureOut">
               <a:rPr lang="en-US" smtClean="0"/>
-              <a:t>11/19/2016</a:t>
+              <a:t>1/14/2017</a:t>
             </a:fld>
             <a:endParaRPr lang="en-US"/>
           </a:p>
@@ -413,7 +413,7 @@
           <a:p>
             <a:fld id="{3486B64F-88E9-48C2-8007-EC8711A0D238}" type="datetimeFigureOut">
               <a:rPr lang="en-US" smtClean="0"/>
-              <a:t>11/19/2016</a:t>
+              <a:t>1/14/2017</a:t>
             </a:fld>
             <a:endParaRPr lang="en-US"/>
           </a:p>
@@ -593,7 +593,7 @@
           <a:p>
             <a:fld id="{3486B64F-88E9-48C2-8007-EC8711A0D238}" type="datetimeFigureOut">
               <a:rPr lang="en-US" smtClean="0"/>
-              <a:t>11/19/2016</a:t>
+              <a:t>1/14/2017</a:t>
             </a:fld>
             <a:endParaRPr lang="en-US"/>
           </a:p>
@@ -763,7 +763,7 @@
           <a:p>
             <a:fld id="{3486B64F-88E9-48C2-8007-EC8711A0D238}" type="datetimeFigureOut">
               <a:rPr lang="en-US" smtClean="0"/>
-              <a:t>11/19/2016</a:t>
+              <a:t>1/14/2017</a:t>
             </a:fld>
             <a:endParaRPr lang="en-US"/>
           </a:p>
@@ -1009,7 +1009,7 @@
           <a:p>
             <a:fld id="{3486B64F-88E9-48C2-8007-EC8711A0D238}" type="datetimeFigureOut">
               <a:rPr lang="en-US" smtClean="0"/>
-              <a:t>11/19/2016</a:t>
+              <a:t>1/14/2017</a:t>
             </a:fld>
             <a:endParaRPr lang="en-US"/>
           </a:p>
@@ -1241,7 +1241,7 @@
           <a:p>
             <a:fld id="{3486B64F-88E9-48C2-8007-EC8711A0D238}" type="datetimeFigureOut">
               <a:rPr lang="en-US" smtClean="0"/>
-              <a:t>11/19/2016</a:t>
+              <a:t>1/14/2017</a:t>
             </a:fld>
             <a:endParaRPr lang="en-US"/>
           </a:p>
@@ -1608,7 +1608,7 @@
           <a:p>
             <a:fld id="{3486B64F-88E9-48C2-8007-EC8711A0D238}" type="datetimeFigureOut">
               <a:rPr lang="en-US" smtClean="0"/>
-              <a:t>11/19/2016</a:t>
+              <a:t>1/14/2017</a:t>
             </a:fld>
             <a:endParaRPr lang="en-US"/>
           </a:p>
@@ -1726,7 +1726,7 @@
           <a:p>
             <a:fld id="{3486B64F-88E9-48C2-8007-EC8711A0D238}" type="datetimeFigureOut">
               <a:rPr lang="en-US" smtClean="0"/>
-              <a:t>11/19/2016</a:t>
+              <a:t>1/14/2017</a:t>
             </a:fld>
             <a:endParaRPr lang="en-US"/>
           </a:p>
@@ -1821,7 +1821,7 @@
           <a:p>
             <a:fld id="{3486B64F-88E9-48C2-8007-EC8711A0D238}" type="datetimeFigureOut">
               <a:rPr lang="en-US" smtClean="0"/>
-              <a:t>11/19/2016</a:t>
+              <a:t>1/14/2017</a:t>
             </a:fld>
             <a:endParaRPr lang="en-US"/>
           </a:p>
@@ -2098,7 +2098,7 @@
           <a:p>
             <a:fld id="{3486B64F-88E9-48C2-8007-EC8711A0D238}" type="datetimeFigureOut">
               <a:rPr lang="en-US" smtClean="0"/>
-              <a:t>11/19/2016</a:t>
+              <a:t>1/14/2017</a:t>
             </a:fld>
             <a:endParaRPr lang="en-US"/>
           </a:p>
@@ -2351,7 +2351,7 @@
           <a:p>
             <a:fld id="{3486B64F-88E9-48C2-8007-EC8711A0D238}" type="datetimeFigureOut">
               <a:rPr lang="en-US" smtClean="0"/>
-              <a:t>11/19/2016</a:t>
+              <a:t>1/14/2017</a:t>
             </a:fld>
             <a:endParaRPr lang="en-US"/>
           </a:p>
@@ -2564,7 +2564,7 @@
           <a:p>
             <a:fld id="{3486B64F-88E9-48C2-8007-EC8711A0D238}" type="datetimeFigureOut">
               <a:rPr lang="en-US" smtClean="0"/>
-              <a:t>11/19/2016</a:t>
+              <a:t>1/14/2017</a:t>
             </a:fld>
             <a:endParaRPr lang="en-US"/>
           </a:p>
@@ -2994,7 +2994,7 @@
         <p:spPr>
           <a:xfrm>
             <a:off x="4298231" y="258303"/>
-            <a:ext cx="4679899" cy="7799832"/>
+            <a:ext cx="4679899" cy="6599697"/>
           </a:xfrm>
         </p:spPr>
       </p:pic>
